--- a/PowerPoint/11 - Code Generation.pptx
+++ b/PowerPoint/11 - Code Generation.pptx
@@ -8004,20 +8004,6 @@
               </a:rPr>
               <a:t>CodeGenException</a:t>
             </a:r>
-            <a:r>
-              <a:rPr lang="en-US" sz="1800" dirty="0">
-                <a:latin typeface="Consolas" pitchFamily="49" charset="0"/>
-                <a:cs typeface="Consolas" pitchFamily="49" charset="0"/>
-              </a:rPr>
-              <a:t>, </a:t>
-            </a:r>
-            <a:r>
-              <a:rPr lang="en-US" sz="1800" dirty="0" err="1">
-                <a:latin typeface="Consolas" pitchFamily="49" charset="0"/>
-                <a:cs typeface="Consolas" pitchFamily="49" charset="0"/>
-              </a:rPr>
-              <a:t>IOException</a:t>
-            </a:r>
             <a:endParaRPr lang="en-US" sz="1800" dirty="0">
               <a:latin typeface="Consolas" pitchFamily="49" charset="0"/>
               <a:cs typeface="Consolas" pitchFamily="49" charset="0"/>
@@ -8485,20 +8471,6 @@
               </a:rPr>
               <a:t>CodeGenException</a:t>
             </a:r>
-            <a:r>
-              <a:rPr lang="en-US" sz="1800" dirty="0">
-                <a:latin typeface="Consolas" pitchFamily="49" charset="0"/>
-                <a:cs typeface="Consolas" pitchFamily="49" charset="0"/>
-              </a:rPr>
-              <a:t>, </a:t>
-            </a:r>
-            <a:r>
-              <a:rPr lang="en-US" sz="1800" dirty="0" err="1">
-                <a:latin typeface="Consolas" pitchFamily="49" charset="0"/>
-                <a:cs typeface="Consolas" pitchFamily="49" charset="0"/>
-              </a:rPr>
-              <a:t>IOException</a:t>
-            </a:r>
             <a:endParaRPr lang="en-US" sz="1800" dirty="0">
               <a:latin typeface="Consolas" pitchFamily="49" charset="0"/>
               <a:cs typeface="Consolas" pitchFamily="49" charset="0"/>
@@ -9536,14 +9508,16 @@
               <a:rPr lang="en-US" sz="1800" dirty="0">
                 <a:latin typeface="Consolas" panose="020B0609020204030204" pitchFamily="49" charset="0"/>
               </a:rPr>
-              <a:t>(Type t) throws </a:t>
-            </a:r>
-            <a:r>
-              <a:rPr lang="en-US" sz="1800" dirty="0" err="1">
-                <a:latin typeface="Consolas" panose="020B0609020204030204" pitchFamily="49" charset="0"/>
-              </a:rPr>
-              <a:t>IOException</a:t>
-            </a:r>
+              <a:t>(Type t)</a:t>
+            </a:r>
+          </a:p>
+          <a:p>
+            <a:pPr marL="274320" lvl="1" indent="0">
+              <a:spcBef>
+                <a:spcPts val="100"/>
+              </a:spcBef>
+              <a:buNone/>
+            </a:pPr>
             <a:endParaRPr lang="en-US" sz="1800" dirty="0">
               <a:latin typeface="Consolas" panose="020B0609020204030204" pitchFamily="49" charset="0"/>
             </a:endParaRPr>
@@ -9551,17 +9525,6 @@
           <a:p>
             <a:pPr marL="274320" lvl="1" indent="0">
               <a:spcBef>
-                <a:spcPts val="100"/>
-              </a:spcBef>
-              <a:buNone/>
-            </a:pPr>
-            <a:endParaRPr lang="en-US" sz="1800" dirty="0">
-              <a:latin typeface="Consolas" panose="020B0609020204030204" pitchFamily="49" charset="0"/>
-            </a:endParaRPr>
-          </a:p>
-          <a:p>
-            <a:pPr marL="274320" lvl="1" indent="0">
-              <a:spcBef>
                 <a:spcPts val="600"/>
               </a:spcBef>
               <a:buNone/>
@@ -9624,17 +9587,8 @@
               <a:rPr lang="en-US" sz="1800" dirty="0">
                 <a:latin typeface="Consolas" panose="020B0609020204030204" pitchFamily="49" charset="0"/>
               </a:rPr>
-              <a:t>(Type t) throws </a:t>
-            </a:r>
-            <a:r>
-              <a:rPr lang="en-US" sz="1800" dirty="0" err="1">
-                <a:latin typeface="Consolas" panose="020B0609020204030204" pitchFamily="49" charset="0"/>
-              </a:rPr>
-              <a:t>IOException</a:t>
-            </a:r>
-            <a:endParaRPr lang="en-US" sz="1800" dirty="0">
-              <a:latin typeface="Consolas" panose="020B0609020204030204" pitchFamily="49" charset="0"/>
-            </a:endParaRPr>
+              <a:t>(Type t)</a:t>
+            </a:r>
           </a:p>
         </p:txBody>
       </p:sp>
@@ -10131,19 +10085,8 @@
                 <a:latin typeface="Consolas" pitchFamily="49" charset="0"/>
                 <a:cs typeface="Consolas" pitchFamily="49" charset="0"/>
               </a:rPr>
-              <a:t>(Type t) throws </a:t>
-            </a:r>
-            <a:r>
-              <a:rPr lang="en-US" sz="1800" dirty="0" err="1">
-                <a:latin typeface="Consolas" pitchFamily="49" charset="0"/>
-                <a:cs typeface="Consolas" pitchFamily="49" charset="0"/>
-              </a:rPr>
-              <a:t>IOException</a:t>
-            </a:r>
-            <a:endParaRPr lang="en-US" sz="1800" dirty="0">
-              <a:latin typeface="Consolas" pitchFamily="49" charset="0"/>
-              <a:cs typeface="Consolas" pitchFamily="49" charset="0"/>
-            </a:endParaRPr>
+              <a:t>(Type t)</a:t>
+            </a:r>
           </a:p>
           <a:p>
             <a:pPr marL="182880" indent="0">
@@ -11671,7 +11614,7 @@
                 <a:latin typeface="Consolas" pitchFamily="49" charset="0"/>
                 <a:cs typeface="Consolas" pitchFamily="49" charset="0"/>
               </a:rPr>
-              <a:t>public void emit() throws IOException</a:t>
+              <a:t>public void emit()</a:t>
             </a:r>
           </a:p>
           <a:p>
@@ -12466,20 +12409,6 @@
               </a:rPr>
               <a:t>CodeGenException</a:t>
             </a:r>
-            <a:r>
-              <a:rPr lang="en-US" sz="1800" dirty="0">
-                <a:latin typeface="Consolas" pitchFamily="49" charset="0"/>
-                <a:cs typeface="Consolas" pitchFamily="49" charset="0"/>
-              </a:rPr>
-              <a:t>, </a:t>
-            </a:r>
-            <a:r>
-              <a:rPr lang="en-US" sz="1800" dirty="0" err="1">
-                <a:latin typeface="Consolas" pitchFamily="49" charset="0"/>
-                <a:cs typeface="Consolas" pitchFamily="49" charset="0"/>
-              </a:rPr>
-              <a:t>IOException</a:t>
-            </a:r>
             <a:endParaRPr lang="en-US" sz="1800" dirty="0">
               <a:latin typeface="Consolas" pitchFamily="49" charset="0"/>
               <a:cs typeface="Consolas" pitchFamily="49" charset="0"/>
@@ -13362,20 +13291,6 @@
                 <a:cs typeface="Consolas" pitchFamily="49" charset="0"/>
               </a:rPr>
               <a:t>CodeGenException</a:t>
-            </a:r>
-            <a:r>
-              <a:rPr lang="en-US" sz="1800" dirty="0">
-                <a:latin typeface="Consolas" pitchFamily="49" charset="0"/>
-                <a:cs typeface="Consolas" pitchFamily="49" charset="0"/>
-              </a:rPr>
-              <a:t>, </a:t>
-            </a:r>
-            <a:r>
-              <a:rPr lang="en-US" sz="1800" dirty="0" err="1">
-                <a:latin typeface="Consolas" pitchFamily="49" charset="0"/>
-                <a:cs typeface="Consolas" pitchFamily="49" charset="0"/>
-              </a:rPr>
-              <a:t>IOException</a:t>
             </a:r>
             <a:endParaRPr lang="en-US" sz="1800" dirty="0">
               <a:latin typeface="Consolas" pitchFamily="49" charset="0"/>
@@ -13947,20 +13862,6 @@
                 <a:cs typeface="Consolas" pitchFamily="49" charset="0"/>
               </a:rPr>
               <a:t>CodeGenException</a:t>
-            </a:r>
-            <a:r>
-              <a:rPr lang="en-US" sz="1800" dirty="0">
-                <a:latin typeface="Consolas" pitchFamily="49" charset="0"/>
-                <a:cs typeface="Consolas" pitchFamily="49" charset="0"/>
-              </a:rPr>
-              <a:t>, </a:t>
-            </a:r>
-            <a:r>
-              <a:rPr lang="en-US" sz="1800" dirty="0" err="1">
-                <a:latin typeface="Consolas" pitchFamily="49" charset="0"/>
-                <a:cs typeface="Consolas" pitchFamily="49" charset="0"/>
-              </a:rPr>
-              <a:t>IOException</a:t>
             </a:r>
             <a:endParaRPr lang="en-US" sz="1800" dirty="0">
               <a:latin typeface="Consolas" pitchFamily="49" charset="0"/>
@@ -16252,13 +16153,10 @@
               </a:rPr>
               <a:t>CodeGenException</a:t>
             </a:r>
-            <a:r>
-              <a:rPr lang="en-US" sz="1800" dirty="0">
-                <a:latin typeface="Consolas" pitchFamily="49" charset="0"/>
-                <a:cs typeface="Consolas" pitchFamily="49" charset="0"/>
-              </a:rPr>
-              <a:t>, IOException</a:t>
-            </a:r>
+            <a:endParaRPr lang="en-US" sz="1800" dirty="0">
+              <a:latin typeface="Consolas" pitchFamily="49" charset="0"/>
+              <a:cs typeface="Consolas" pitchFamily="49" charset="0"/>
+            </a:endParaRPr>
           </a:p>
           <a:p>
             <a:pPr marL="182880" lvl="1" indent="0">
@@ -16611,18 +16509,6 @@
                 <a:latin typeface="Consolas" panose="020B0609020204030204" pitchFamily="49" charset="0"/>
               </a:rPr>
               <a:t>CodeGenException</a:t>
-            </a:r>
-            <a:r>
-              <a:rPr lang="en-US" sz="1800" dirty="0">
-                <a:latin typeface="Consolas" panose="020B0609020204030204" pitchFamily="49" charset="0"/>
-              </a:rPr>
-              <a:t>, </a:t>
-            </a:r>
-            <a:r>
-              <a:rPr lang="en-US" sz="1800" dirty="0" err="1">
-                <a:latin typeface="Consolas" panose="020B0609020204030204" pitchFamily="49" charset="0"/>
-              </a:rPr>
-              <a:t>IOException</a:t>
             </a:r>
             <a:endParaRPr lang="en-US" sz="1800" dirty="0">
               <a:latin typeface="Consolas" panose="020B0609020204030204" pitchFamily="49" charset="0"/>
@@ -17620,20 +17506,6 @@
               </a:rPr>
               <a:t>CodeGenException</a:t>
             </a:r>
-            <a:r>
-              <a:rPr lang="en-US" sz="1800" dirty="0">
-                <a:latin typeface="Consolas" pitchFamily="49" charset="0"/>
-                <a:cs typeface="Consolas" pitchFamily="49" charset="0"/>
-              </a:rPr>
-              <a:t>, </a:t>
-            </a:r>
-            <a:r>
-              <a:rPr lang="en-US" sz="1800" dirty="0" err="1">
-                <a:latin typeface="Consolas" pitchFamily="49" charset="0"/>
-                <a:cs typeface="Consolas" pitchFamily="49" charset="0"/>
-              </a:rPr>
-              <a:t>IOException</a:t>
-            </a:r>
             <a:endParaRPr lang="en-US" sz="1800" dirty="0">
               <a:latin typeface="Consolas" pitchFamily="49" charset="0"/>
               <a:cs typeface="Consolas" pitchFamily="49" charset="0"/>
@@ -18379,8 +18251,19 @@
                 <a:latin typeface="Consolas" pitchFamily="49" charset="0"/>
                 <a:cs typeface="Consolas" pitchFamily="49" charset="0"/>
               </a:rPr>
-              <a:t>public void emit() throws CodeGenException, IOException</a:t>
-            </a:r>
+              <a:t>public void emit() throws </a:t>
+            </a:r>
+            <a:r>
+              <a:rPr lang="en-US" sz="1800" dirty="0" err="1">
+                <a:latin typeface="Consolas" pitchFamily="49" charset="0"/>
+                <a:cs typeface="Consolas" pitchFamily="49" charset="0"/>
+              </a:rPr>
+              <a:t>CodeGenException</a:t>
+            </a:r>
+            <a:endParaRPr lang="en-US" sz="1800" dirty="0">
+              <a:latin typeface="Consolas" pitchFamily="49" charset="0"/>
+              <a:cs typeface="Consolas" pitchFamily="49" charset="0"/>
+            </a:endParaRPr>
           </a:p>
           <a:p>
             <a:pPr marL="182880" indent="0">
@@ -18968,22 +18851,10 @@
               <a:t>public void emit() throws </a:t>
             </a:r>
             <a:r>
-              <a:rPr lang="en-US" sz="1800" dirty="0" err="1">
+              <a:rPr lang="en-US" sz="1800">
                 <a:latin typeface="Consolas" panose="020B0609020204030204" pitchFamily="49" charset="0"/>
               </a:rPr>
               <a:t>CodeGenException</a:t>
-            </a:r>
-            <a:r>
-              <a:rPr lang="en-US" sz="1800" dirty="0">
-                <a:latin typeface="Consolas" panose="020B0609020204030204" pitchFamily="49" charset="0"/>
-              </a:rPr>
-              <a:t>, </a:t>
-            </a:r>
-            <a:r>
-              <a:rPr lang="en-US" sz="1800" dirty="0" err="1">
-                <a:latin typeface="Consolas" panose="020B0609020204030204" pitchFamily="49" charset="0"/>
-              </a:rPr>
-              <a:t>IOException</a:t>
             </a:r>
             <a:endParaRPr lang="en-US" sz="1800" dirty="0">
               <a:latin typeface="Consolas" panose="020B0609020204030204" pitchFamily="49" charset="0"/>
